--- a/doc/2018-inu-kotlin-06.pptx
+++ b/doc/2018-inu-kotlin-06.pptx
@@ -34,12 +34,12 @@
   <p:notesSz cx="6797675" cy="9926638"/>
   <p:embeddedFontLst>
     <p:embeddedFont>
-      <p:font typeface="맑은 고딕" panose="020B0503020000020004" pitchFamily="50" charset="-127"/>
+      <p:font typeface="나눔고딕" panose="020D0604000000000000" pitchFamily="50" charset="-127"/>
       <p:regular r:id="rId22"/>
       <p:bold r:id="rId23"/>
     </p:embeddedFont>
     <p:embeddedFont>
-      <p:font typeface="나눔고딕" panose="020D0604000000000000" pitchFamily="50" charset="-127"/>
+      <p:font typeface="맑은 고딕" panose="020B0503020000020004" pitchFamily="50" charset="-127"/>
       <p:regular r:id="rId24"/>
       <p:bold r:id="rId25"/>
     </p:embeddedFont>
@@ -337,7 +337,7 @@
             <a:fld id="{207F23D9-DF40-4811-9C78-A2E2A32398DD}" type="datetimeFigureOut">
               <a:rPr lang="ko-KR" altLang="en-US" smtClean="0"/>
               <a:pPr/>
-              <a:t>2018-07-08</a:t>
+              <a:t>2018-07-09</a:t>
             </a:fld>
             <a:endParaRPr lang="ko-KR" altLang="en-US"/>
           </a:p>
@@ -504,7 +504,7 @@
             <a:fld id="{F3AF6795-A612-454E-AF7A-9192B1BEBB13}" type="datetimeFigureOut">
               <a:rPr lang="ko-KR" altLang="en-US" smtClean="0"/>
               <a:pPr/>
-              <a:t>2018-07-08</a:t>
+              <a:t>2018-07-09</a:t>
             </a:fld>
             <a:endParaRPr lang="ko-KR" altLang="en-US"/>
           </a:p>
@@ -2809,7 +2809,7 @@
             <a:fld id="{8761FD00-3F21-42CF-9EF5-8F6D81CE3AFD}" type="datetimeFigureOut">
               <a:rPr lang="ko-KR" altLang="en-US" smtClean="0"/>
               <a:pPr/>
-              <a:t>2018-07-08</a:t>
+              <a:t>2018-07-09</a:t>
             </a:fld>
             <a:endParaRPr lang="ko-KR" altLang="en-US"/>
           </a:p>
@@ -3555,7 +3555,7 @@
             <a:fld id="{8761FD00-3F21-42CF-9EF5-8F6D81CE3AFD}" type="datetimeFigureOut">
               <a:rPr lang="ko-KR" altLang="en-US" smtClean="0"/>
               <a:pPr/>
-              <a:t>2018-07-08</a:t>
+              <a:t>2018-07-09</a:t>
             </a:fld>
             <a:endParaRPr lang="ko-KR" altLang="en-US"/>
           </a:p>
@@ -3875,7 +3875,7 @@
             <a:fld id="{8761FD00-3F21-42CF-9EF5-8F6D81CE3AFD}" type="datetimeFigureOut">
               <a:rPr lang="ko-KR" altLang="en-US" smtClean="0"/>
               <a:pPr/>
-              <a:t>2018-07-08</a:t>
+              <a:t>2018-07-09</a:t>
             </a:fld>
             <a:endParaRPr lang="ko-KR" altLang="en-US"/>
           </a:p>
@@ -4137,7 +4137,7 @@
             <a:fld id="{8761FD00-3F21-42CF-9EF5-8F6D81CE3AFD}" type="datetimeFigureOut">
               <a:rPr lang="ko-KR" altLang="en-US" smtClean="0"/>
               <a:pPr/>
-              <a:t>2018-07-08</a:t>
+              <a:t>2018-07-09</a:t>
             </a:fld>
             <a:endParaRPr lang="ko-KR" altLang="en-US"/>
           </a:p>
@@ -4370,7 +4370,7 @@
             <a:fld id="{8761FD00-3F21-42CF-9EF5-8F6D81CE3AFD}" type="datetimeFigureOut">
               <a:rPr lang="ko-KR" altLang="en-US" smtClean="0"/>
               <a:pPr/>
-              <a:t>2018-07-08</a:t>
+              <a:t>2018-07-09</a:t>
             </a:fld>
             <a:endParaRPr lang="ko-KR" altLang="en-US"/>
           </a:p>
@@ -4603,7 +4603,7 @@
             <a:fld id="{8761FD00-3F21-42CF-9EF5-8F6D81CE3AFD}" type="datetimeFigureOut">
               <a:rPr lang="ko-KR" altLang="en-US" smtClean="0"/>
               <a:pPr/>
-              <a:t>2018-07-08</a:t>
+              <a:t>2018-07-09</a:t>
             </a:fld>
             <a:endParaRPr lang="ko-KR" altLang="en-US"/>
           </a:p>
@@ -7779,11 +7779,11 @@
   <p:clrMapOvr>
     <a:masterClrMapping/>
   </p:clrMapOvr>
-  <mc:AlternateContent xmlns:mc="http://schemas.openxmlformats.org/markup-compatibility/2006">
-    <mc:Choice xmlns:p14="http://schemas.microsoft.com/office/powerpoint/2010/main" Requires="p14">
+  <mc:AlternateContent xmlns:mc="http://schemas.openxmlformats.org/markup-compatibility/2006" xmlns:p14="http://schemas.microsoft.com/office/powerpoint/2010/main">
+    <mc:Choice Requires="p14">
       <p:transition spd="slow" p14:dur="2000"/>
     </mc:Choice>
-    <mc:Fallback>
+    <mc:Fallback xmlns="">
       <p:transition spd="slow"/>
     </mc:Fallback>
   </mc:AlternateContent>
@@ -8353,11 +8353,11 @@
   <p:clrMapOvr>
     <a:masterClrMapping/>
   </p:clrMapOvr>
-  <mc:AlternateContent xmlns:mc="http://schemas.openxmlformats.org/markup-compatibility/2006">
-    <mc:Choice xmlns:p14="http://schemas.microsoft.com/office/powerpoint/2010/main" Requires="p14">
+  <mc:AlternateContent xmlns:mc="http://schemas.openxmlformats.org/markup-compatibility/2006" xmlns:p14="http://schemas.microsoft.com/office/powerpoint/2010/main">
+    <mc:Choice Requires="p14">
       <p:transition spd="slow" p14:dur="2000"/>
     </mc:Choice>
-    <mc:Fallback>
+    <mc:Fallback xmlns="">
       <p:transition spd="slow"/>
     </mc:Fallback>
   </mc:AlternateContent>
@@ -9424,11 +9424,11 @@
   <p:clrMapOvr>
     <a:masterClrMapping/>
   </p:clrMapOvr>
-  <mc:AlternateContent xmlns:mc="http://schemas.openxmlformats.org/markup-compatibility/2006">
-    <mc:Choice xmlns:p14="http://schemas.microsoft.com/office/powerpoint/2010/main" Requires="p14">
+  <mc:AlternateContent xmlns:mc="http://schemas.openxmlformats.org/markup-compatibility/2006" xmlns:p14="http://schemas.microsoft.com/office/powerpoint/2010/main">
+    <mc:Choice Requires="p14">
       <p:transition spd="slow" p14:dur="2000"/>
     </mc:Choice>
-    <mc:Fallback>
+    <mc:Fallback xmlns="">
       <p:transition spd="slow"/>
     </mc:Fallback>
   </mc:AlternateContent>
@@ -11343,11 +11343,11 @@
   <p:clrMapOvr>
     <a:masterClrMapping/>
   </p:clrMapOvr>
-  <mc:AlternateContent xmlns:mc="http://schemas.openxmlformats.org/markup-compatibility/2006">
-    <mc:Choice xmlns:p14="http://schemas.microsoft.com/office/powerpoint/2010/main" Requires="p14">
+  <mc:AlternateContent xmlns:mc="http://schemas.openxmlformats.org/markup-compatibility/2006" xmlns:p14="http://schemas.microsoft.com/office/powerpoint/2010/main">
+    <mc:Choice Requires="p14">
       <p:transition spd="slow" p14:dur="2000"/>
     </mc:Choice>
-    <mc:Fallback>
+    <mc:Fallback xmlns="">
       <p:transition spd="slow"/>
     </mc:Fallback>
   </mc:AlternateContent>
@@ -13687,11 +13687,11 @@
   <p:clrMapOvr>
     <a:masterClrMapping/>
   </p:clrMapOvr>
-  <mc:AlternateContent xmlns:mc="http://schemas.openxmlformats.org/markup-compatibility/2006">
-    <mc:Choice xmlns:p14="http://schemas.microsoft.com/office/powerpoint/2010/main" Requires="p14">
+  <mc:AlternateContent xmlns:mc="http://schemas.openxmlformats.org/markup-compatibility/2006" xmlns:p14="http://schemas.microsoft.com/office/powerpoint/2010/main">
+    <mc:Choice Requires="p14">
       <p:transition spd="slow" p14:dur="2000"/>
     </mc:Choice>
-    <mc:Fallback>
+    <mc:Fallback xmlns="">
       <p:transition spd="slow"/>
     </mc:Fallback>
   </mc:AlternateContent>
@@ -15337,11 +15337,11 @@
   <p:clrMapOvr>
     <a:masterClrMapping/>
   </p:clrMapOvr>
-  <mc:AlternateContent xmlns:mc="http://schemas.openxmlformats.org/markup-compatibility/2006">
-    <mc:Choice xmlns:p14="http://schemas.microsoft.com/office/powerpoint/2010/main" Requires="p14">
+  <mc:AlternateContent xmlns:mc="http://schemas.openxmlformats.org/markup-compatibility/2006" xmlns:p14="http://schemas.microsoft.com/office/powerpoint/2010/main">
+    <mc:Choice Requires="p14">
       <p:transition spd="slow" p14:dur="2000"/>
     </mc:Choice>
-    <mc:Fallback>
+    <mc:Fallback xmlns="">
       <p:transition spd="slow"/>
     </mc:Fallback>
   </mc:AlternateContent>
@@ -16941,11 +16941,11 @@
   <p:clrMapOvr>
     <a:masterClrMapping/>
   </p:clrMapOvr>
-  <mc:AlternateContent xmlns:mc="http://schemas.openxmlformats.org/markup-compatibility/2006">
-    <mc:Choice xmlns:p14="http://schemas.microsoft.com/office/powerpoint/2010/main" Requires="p14">
+  <mc:AlternateContent xmlns:mc="http://schemas.openxmlformats.org/markup-compatibility/2006" xmlns:p14="http://schemas.microsoft.com/office/powerpoint/2010/main">
+    <mc:Choice Requires="p14">
       <p:transition spd="slow" p14:dur="2000"/>
     </mc:Choice>
-    <mc:Fallback>
+    <mc:Fallback xmlns="">
       <p:transition spd="slow"/>
     </mc:Fallback>
   </mc:AlternateContent>
@@ -17466,11 +17466,11 @@
   <p:clrMapOvr>
     <a:masterClrMapping/>
   </p:clrMapOvr>
-  <mc:AlternateContent xmlns:mc="http://schemas.openxmlformats.org/markup-compatibility/2006">
-    <mc:Choice xmlns:p14="http://schemas.microsoft.com/office/powerpoint/2010/main" Requires="p14">
+  <mc:AlternateContent xmlns:mc="http://schemas.openxmlformats.org/markup-compatibility/2006" xmlns:p14="http://schemas.microsoft.com/office/powerpoint/2010/main">
+    <mc:Choice Requires="p14">
       <p:transition spd="slow" p14:dur="2000"/>
     </mc:Choice>
-    <mc:Fallback>
+    <mc:Fallback xmlns="">
       <p:transition spd="slow"/>
     </mc:Fallback>
   </mc:AlternateContent>
@@ -20532,10 +20532,10 @@
                 <a:latin typeface="+mn-ea"/>
                 <a:ea typeface="+mn-ea"/>
               </a:rPr>
-              <a:t> – 4</a:t>
-            </a:r>
-            <a:r>
-              <a:rPr lang="ko-KR" altLang="en-US" sz="3200" b="1" spc="-150" dirty="0" smtClean="0">
+              <a:t> </a:t>
+            </a:r>
+            <a:r>
+              <a:rPr lang="en-US" altLang="ko-KR" sz="3200" b="1" spc="-150" dirty="0" smtClean="0">
                 <a:solidFill>
                   <a:schemeClr val="accent4">
                     <a:lumMod val="50000"/>
@@ -20544,7 +20544,31 @@
                 <a:latin typeface="+mn-ea"/>
                 <a:ea typeface="+mn-ea"/>
               </a:rPr>
-              <a:t>일차 회고</a:t>
+              <a:t>–5</a:t>
+            </a:r>
+            <a:r>
+              <a:rPr lang="ko-KR" altLang="en-US" sz="3200" b="1" spc="-150" dirty="0" smtClean="0">
+                <a:solidFill>
+                  <a:schemeClr val="accent4">
+                    <a:lumMod val="50000"/>
+                  </a:schemeClr>
+                </a:solidFill>
+                <a:latin typeface="+mn-ea"/>
+                <a:ea typeface="+mn-ea"/>
+              </a:rPr>
+              <a:t>일차 </a:t>
+            </a:r>
+            <a:r>
+              <a:rPr lang="ko-KR" altLang="en-US" sz="3200" b="1" spc="-150" dirty="0" smtClean="0">
+                <a:solidFill>
+                  <a:schemeClr val="accent4">
+                    <a:lumMod val="50000"/>
+                  </a:schemeClr>
+                </a:solidFill>
+                <a:latin typeface="+mn-ea"/>
+                <a:ea typeface="+mn-ea"/>
+              </a:rPr>
+              <a:t>회고</a:t>
             </a:r>
             <a:endParaRPr lang="ko-KR" altLang="en-US" sz="3200" b="1" spc="-150" dirty="0">
               <a:solidFill>
@@ -21225,14 +21249,6 @@
               </a:rPr>
               <a:t>-pattern</a:t>
             </a:r>
-            <a:endParaRPr lang="en-US" altLang="ko-KR" b="1" spc="-150" dirty="0">
-              <a:solidFill>
-                <a:schemeClr val="accent4">
-                  <a:lumMod val="50000"/>
-                </a:schemeClr>
-              </a:solidFill>
-              <a:latin typeface="+mn-ea"/>
-            </a:endParaRPr>
           </a:p>
         </p:txBody>
       </p:sp>
@@ -22176,11 +22192,11 @@
   <p:clrMapOvr>
     <a:masterClrMapping/>
   </p:clrMapOvr>
-  <mc:AlternateContent xmlns:mc="http://schemas.openxmlformats.org/markup-compatibility/2006">
-    <mc:Choice xmlns:p14="http://schemas.microsoft.com/office/powerpoint/2010/main" Requires="p14">
+  <mc:AlternateContent xmlns:mc="http://schemas.openxmlformats.org/markup-compatibility/2006" xmlns:p14="http://schemas.microsoft.com/office/powerpoint/2010/main">
+    <mc:Choice Requires="p14">
       <p:transition spd="slow" p14:dur="2000"/>
     </mc:Choice>
-    <mc:Fallback>
+    <mc:Fallback xmlns="">
       <p:transition spd="slow"/>
     </mc:Fallback>
   </mc:AlternateContent>
@@ -22590,30 +22606,6 @@
           </a:p>
         </p:txBody>
       </p:sp>
-      <p:pic>
-        <p:nvPicPr>
-          <p:cNvPr id="3" name="그림 2"/>
-          <p:cNvPicPr>
-            <a:picLocks noChangeAspect="1"/>
-          </p:cNvPicPr>
-          <p:nvPr/>
-        </p:nvPicPr>
-        <p:blipFill>
-          <a:blip r:embed="rId3"/>
-          <a:stretch>
-            <a:fillRect/>
-          </a:stretch>
-        </p:blipFill>
-        <p:spPr>
-          <a:xfrm>
-            <a:off x="498510" y="2017697"/>
-            <a:ext cx="3105150" cy="4048125"/>
-          </a:xfrm>
-          <a:prstGeom prst="rect">
-            <a:avLst/>
-          </a:prstGeom>
-        </p:spPr>
-      </p:pic>
       <p:sp>
         <p:nvSpPr>
           <p:cNvPr id="4" name="직사각형 3"/>
@@ -23605,6 +23597,30 @@
           </a:p>
         </p:txBody>
       </p:sp>
+      <p:pic>
+        <p:nvPicPr>
+          <p:cNvPr id="7" name="그림 6"/>
+          <p:cNvPicPr>
+            <a:picLocks noChangeAspect="1"/>
+          </p:cNvPicPr>
+          <p:nvPr/>
+        </p:nvPicPr>
+        <p:blipFill>
+          <a:blip r:embed="rId3"/>
+          <a:stretch>
+            <a:fillRect/>
+          </a:stretch>
+        </p:blipFill>
+        <p:spPr>
+          <a:xfrm>
+            <a:off x="364803" y="3228221"/>
+            <a:ext cx="3238500" cy="1981200"/>
+          </a:xfrm>
+          <a:prstGeom prst="rect">
+            <a:avLst/>
+          </a:prstGeom>
+        </p:spPr>
+      </p:pic>
     </p:spTree>
     <p:extLst>
       <p:ext uri="{BB962C8B-B14F-4D97-AF65-F5344CB8AC3E}">
@@ -23615,11 +23631,11 @@
   <p:clrMapOvr>
     <a:masterClrMapping/>
   </p:clrMapOvr>
-  <mc:AlternateContent xmlns:mc="http://schemas.openxmlformats.org/markup-compatibility/2006">
-    <mc:Choice xmlns:p14="http://schemas.microsoft.com/office/powerpoint/2010/main" Requires="p14">
+  <mc:AlternateContent xmlns:mc="http://schemas.openxmlformats.org/markup-compatibility/2006" xmlns:p14="http://schemas.microsoft.com/office/powerpoint/2010/main">
+    <mc:Choice Requires="p14">
       <p:transition spd="slow" p14:dur="2000"/>
     </mc:Choice>
-    <mc:Fallback>
+    <mc:Fallback xmlns="">
       <p:transition spd="slow"/>
     </mc:Fallback>
   </mc:AlternateContent>
@@ -25550,11 +25566,11 @@
   <p:clrMapOvr>
     <a:masterClrMapping/>
   </p:clrMapOvr>
-  <mc:AlternateContent xmlns:mc="http://schemas.openxmlformats.org/markup-compatibility/2006">
-    <mc:Choice xmlns:p14="http://schemas.microsoft.com/office/powerpoint/2010/main" Requires="p14">
+  <mc:AlternateContent xmlns:mc="http://schemas.openxmlformats.org/markup-compatibility/2006" xmlns:p14="http://schemas.microsoft.com/office/powerpoint/2010/main">
+    <mc:Choice Requires="p14">
       <p:transition spd="slow" p14:dur="2000"/>
     </mc:Choice>
-    <mc:Fallback>
+    <mc:Fallback xmlns="">
       <p:transition spd="slow"/>
     </mc:Fallback>
   </mc:AlternateContent>
@@ -27073,11 +27089,11 @@
   <p:clrMapOvr>
     <a:masterClrMapping/>
   </p:clrMapOvr>
-  <mc:AlternateContent xmlns:mc="http://schemas.openxmlformats.org/markup-compatibility/2006">
-    <mc:Choice xmlns:p14="http://schemas.microsoft.com/office/powerpoint/2010/main" Requires="p14">
+  <mc:AlternateContent xmlns:mc="http://schemas.openxmlformats.org/markup-compatibility/2006" xmlns:p14="http://schemas.microsoft.com/office/powerpoint/2010/main">
+    <mc:Choice Requires="p14">
       <p:transition spd="slow" p14:dur="2000"/>
     </mc:Choice>
-    <mc:Fallback>
+    <mc:Fallback xmlns="">
       <p:transition spd="slow"/>
     </mc:Fallback>
   </mc:AlternateContent>
@@ -29151,11 +29167,11 @@
   <p:clrMapOvr>
     <a:masterClrMapping/>
   </p:clrMapOvr>
-  <mc:AlternateContent xmlns:mc="http://schemas.openxmlformats.org/markup-compatibility/2006">
-    <mc:Choice xmlns:p14="http://schemas.microsoft.com/office/powerpoint/2010/main" Requires="p14">
+  <mc:AlternateContent xmlns:mc="http://schemas.openxmlformats.org/markup-compatibility/2006" xmlns:p14="http://schemas.microsoft.com/office/powerpoint/2010/main">
+    <mc:Choice Requires="p14">
       <p:transition spd="slow" p14:dur="2000"/>
     </mc:Choice>
-    <mc:Fallback>
+    <mc:Fallback xmlns="">
       <p:transition spd="slow"/>
     </mc:Fallback>
   </mc:AlternateContent>
